--- a/prednasky/02/1_Reprodukovatelny_vyskum.pptx
+++ b/prednasky/02/1_Reprodukovatelny_vyskum.pptx
@@ -256,7 +256,7 @@
           <a:p>
             <a:fld id="{69DEC26B-304B-48AB-AE73-570DAA26D5D5}" type="datetimeFigureOut">
               <a:rPr lang="en-US" smtClean="0"/>
-              <a:t>9/12/2019</a:t>
+              <a:t>10/2/2019</a:t>
             </a:fld>
             <a:endParaRPr lang="en-US"/>
           </a:p>
@@ -474,7 +474,7 @@
           <a:p>
             <a:fld id="{69DEC26B-304B-48AB-AE73-570DAA26D5D5}" type="datetimeFigureOut">
               <a:rPr lang="en-US" smtClean="0"/>
-              <a:t>9/12/2019</a:t>
+              <a:t>10/2/2019</a:t>
             </a:fld>
             <a:endParaRPr lang="en-US"/>
           </a:p>
@@ -702,7 +702,7 @@
           <a:p>
             <a:fld id="{69DEC26B-304B-48AB-AE73-570DAA26D5D5}" type="datetimeFigureOut">
               <a:rPr lang="en-US" smtClean="0"/>
-              <a:t>9/12/2019</a:t>
+              <a:t>10/2/2019</a:t>
             </a:fld>
             <a:endParaRPr lang="en-US"/>
           </a:p>
@@ -920,7 +920,7 @@
           <a:p>
             <a:fld id="{69DEC26B-304B-48AB-AE73-570DAA26D5D5}" type="datetimeFigureOut">
               <a:rPr lang="en-US" smtClean="0"/>
-              <a:t>9/12/2019</a:t>
+              <a:t>10/2/2019</a:t>
             </a:fld>
             <a:endParaRPr lang="en-US"/>
           </a:p>
@@ -1164,7 +1164,7 @@
           <a:p>
             <a:fld id="{69DEC26B-304B-48AB-AE73-570DAA26D5D5}" type="datetimeFigureOut">
               <a:rPr lang="en-US" smtClean="0"/>
-              <a:t>9/12/2019</a:t>
+              <a:t>10/2/2019</a:t>
             </a:fld>
             <a:endParaRPr lang="en-US"/>
           </a:p>
@@ -1396,7 +1396,7 @@
           <a:p>
             <a:fld id="{69DEC26B-304B-48AB-AE73-570DAA26D5D5}" type="datetimeFigureOut">
               <a:rPr lang="en-US" smtClean="0"/>
-              <a:t>9/12/2019</a:t>
+              <a:t>10/2/2019</a:t>
             </a:fld>
             <a:endParaRPr lang="en-US"/>
           </a:p>
@@ -1763,7 +1763,7 @@
           <a:p>
             <a:fld id="{69DEC26B-304B-48AB-AE73-570DAA26D5D5}" type="datetimeFigureOut">
               <a:rPr lang="en-US" smtClean="0"/>
-              <a:t>9/12/2019</a:t>
+              <a:t>10/2/2019</a:t>
             </a:fld>
             <a:endParaRPr lang="en-US"/>
           </a:p>
@@ -1881,7 +1881,7 @@
           <a:p>
             <a:fld id="{69DEC26B-304B-48AB-AE73-570DAA26D5D5}" type="datetimeFigureOut">
               <a:rPr lang="en-US" smtClean="0"/>
-              <a:t>9/12/2019</a:t>
+              <a:t>10/2/2019</a:t>
             </a:fld>
             <a:endParaRPr lang="en-US"/>
           </a:p>
@@ -1976,7 +1976,7 @@
           <a:p>
             <a:fld id="{69DEC26B-304B-48AB-AE73-570DAA26D5D5}" type="datetimeFigureOut">
               <a:rPr lang="en-US" smtClean="0"/>
-              <a:t>9/12/2019</a:t>
+              <a:t>10/2/2019</a:t>
             </a:fld>
             <a:endParaRPr lang="en-US"/>
           </a:p>
@@ -2301,7 +2301,7 @@
           <a:p>
             <a:fld id="{69DEC26B-304B-48AB-AE73-570DAA26D5D5}" type="datetimeFigureOut">
               <a:rPr lang="en-US" smtClean="0"/>
-              <a:t>9/12/2019</a:t>
+              <a:t>10/2/2019</a:t>
             </a:fld>
             <a:endParaRPr lang="en-US"/>
           </a:p>
@@ -2606,7 +2606,7 @@
           <a:p>
             <a:fld id="{69DEC26B-304B-48AB-AE73-570DAA26D5D5}" type="datetimeFigureOut">
               <a:rPr lang="en-US" smtClean="0"/>
-              <a:t>9/12/2019</a:t>
+              <a:t>10/2/2019</a:t>
             </a:fld>
             <a:endParaRPr lang="en-US"/>
           </a:p>
@@ -2867,7 +2867,7 @@
           <a:p>
             <a:fld id="{69DEC26B-304B-48AB-AE73-570DAA26D5D5}" type="datetimeFigureOut">
               <a:rPr lang="en-US" smtClean="0"/>
-              <a:t>9/12/2019</a:t>
+              <a:t>10/2/2019</a:t>
             </a:fld>
             <a:endParaRPr lang="en-US"/>
           </a:p>
@@ -4289,7 +4289,15 @@
             </a:r>
             <a:r>
               <a:rPr lang="sk-SK" dirty="0" smtClean="0"/>
-              <a:t>spätná väzba</a:t>
+              <a:t>spätná </a:t>
+            </a:r>
+            <a:r>
+              <a:rPr lang="sk-SK" dirty="0" smtClean="0"/>
+              <a:t>väzba</a:t>
+            </a:r>
+            <a:r>
+              <a:rPr lang="en-US" dirty="0" smtClean="0"/>
+              <a:t> </a:t>
             </a:r>
             <a:endParaRPr lang="en-US" dirty="0"/>
           </a:p>
@@ -4322,26 +4330,42 @@
               <a:buNone/>
             </a:pPr>
             <a:r>
-              <a:rPr lang="sk-SK" sz="4400" dirty="0" smtClean="0"/>
+              <a:rPr lang="en-US" sz="4400" dirty="0" smtClean="0">
+                <a:hlinkClick r:id="rId2"/>
+              </a:rPr>
+              <a:t>https://</a:t>
+            </a:r>
+            <a:r>
+              <a:rPr lang="sk-SK" sz="4400" dirty="0" smtClean="0">
+                <a:hlinkClick r:id="rId2"/>
+              </a:rPr>
               <a:t>s</a:t>
             </a:r>
             <a:r>
-              <a:rPr lang="en-US" sz="4400" dirty="0" smtClean="0"/>
+              <a:rPr lang="en-US" sz="4400" dirty="0" smtClean="0">
+                <a:hlinkClick r:id="rId2"/>
+              </a:rPr>
               <a:t>lido</a:t>
             </a:r>
             <a:r>
-              <a:rPr lang="sk-SK" sz="4400" dirty="0" smtClean="0"/>
+              <a:rPr lang="sk-SK" sz="4400" dirty="0" smtClean="0">
+                <a:hlinkClick r:id="rId2"/>
+              </a:rPr>
               <a:t>.</a:t>
             </a:r>
             <a:r>
-              <a:rPr lang="en-US" sz="4400" dirty="0" smtClean="0"/>
+              <a:rPr lang="en-US" sz="4400" dirty="0" smtClean="0">
+                <a:hlinkClick r:id="rId2"/>
+              </a:rPr>
               <a:t>com#</a:t>
             </a:r>
             <a:r>
-              <a:rPr lang="en-US" sz="4400" b="1" dirty="0" smtClean="0"/>
-              <a:t>iau2018-w02</a:t>
-            </a:r>
-            <a:endParaRPr lang="en-US" sz="4400" b="1" dirty="0"/>
+              <a:rPr lang="en-US" sz="4400" b="1" dirty="0" smtClean="0">
+                <a:hlinkClick r:id="rId2"/>
+              </a:rPr>
+              <a:t>iau2019-w02</a:t>
+            </a:r>
+            <a:endParaRPr lang="en-US" sz="4400" b="1" dirty="0" smtClean="0"/>
           </a:p>
           <a:p>
             <a:pPr marL="0" indent="0" algn="ctr">
@@ -4354,8 +4378,10 @@
               <a:buNone/>
             </a:pPr>
             <a:r>
-              <a:rPr lang="en-US" sz="4400" dirty="0" smtClean="0"/>
-              <a:t>tinyurl.com/iau2018-19</a:t>
+              <a:rPr lang="en-GB" sz="4400" dirty="0">
+                <a:hlinkClick r:id="rId3"/>
+              </a:rPr>
+              <a:t>https://tinyurl.com/iau2019-w02</a:t>
             </a:r>
             <a:endParaRPr lang="en-US" sz="4400" dirty="0"/>
           </a:p>
@@ -4510,13 +4536,8 @@
             </a:r>
             <a:r>
               <a:rPr lang="sk-SK" dirty="0" smtClean="0"/>
-              <a:t>xcel, tak si </a:t>
-            </a:r>
-            <a:r>
-              <a:rPr lang="sk-SK" dirty="0" smtClean="0"/>
-              <a:t>na toto možno vytvoríte aj makro</a:t>
-            </a:r>
-            <a:endParaRPr lang="sk-SK" dirty="0" smtClean="0"/>
+              <a:t>xcel, tak si na toto možno vytvoríte aj makro</a:t>
+            </a:r>
           </a:p>
           <a:p>
             <a:pPr marL="514350" indent="-514350">
@@ -4996,15 +5017,7 @@
           <a:p>
             <a:r>
               <a:rPr lang="sk-SK" dirty="0" smtClean="0"/>
-              <a:t>Nejaký </a:t>
-            </a:r>
-            <a:r>
-              <a:rPr lang="sk-SK" dirty="0" smtClean="0"/>
-              <a:t>predpis/scenár (</a:t>
-            </a:r>
-            <a:r>
-              <a:rPr lang="sk-SK" dirty="0" smtClean="0"/>
-              <a:t>angl. </a:t>
+              <a:t>Nejaký predpis/scenár (angl. </a:t>
             </a:r>
             <a:r>
               <a:rPr lang="sk-SK" dirty="0" err="1" smtClean="0"/>
